--- a/演示与分析.pptx
+++ b/演示与分析.pptx
@@ -8,11 +8,11 @@
     <p:notesMasterId r:id="rId7"/>
   </p:notesMasterIdLst>
   <p:sldIdLst>
-    <p:sldId id="257" r:id="rId2"/>
-    <p:sldId id="256" r:id="rId3"/>
-    <p:sldId id="258" r:id="rId4"/>
-    <p:sldId id="259" r:id="rId5"/>
-    <p:sldId id="260" r:id="rId6"/>
+    <p:sldId id="257" r:id="rId3"/>
+    <p:sldId id="256" r:id="rId4"/>
+    <p:sldId id="258" r:id="rId5"/>
+    <p:sldId id="259" r:id="rId6"/>
+    <p:sldId id="260" r:id="rId8"/>
   </p:sldIdLst>
   <p:sldSz cx="12887325" cy="6858000"/>
   <p:notesSz cx="6858000" cy="9144000"/>
@@ -111,11 +111,6 @@
       </a:defRPr>
     </a:lvl9pPr>
   </p:defaultTextStyle>
-  <p:extLst>
-    <p:ext uri="{EFAFB233-063F-42B5-8137-9DF3F51BA10A}">
-      <p15:sldGuideLst xmlns:p15="http://schemas.microsoft.com/office/powerpoint/2012/main"/>
-    </p:ext>
-  </p:extLst>
 </p:presentation>
 </file>
 
@@ -201,7 +196,6 @@
           <a:p>
             <a:fld id="{96888E76-1E8A-4E49-96FA-0F7784C8199A}" type="datetimeFigureOut">
               <a:rPr lang="zh-CN" altLang="en-US" smtClean="0"/>
-              <a:t>2021/4/6</a:t>
             </a:fld>
             <a:endParaRPr lang="zh-CN" altLang="en-US"/>
           </a:p>
@@ -268,6 +262,7 @@
               <a:rPr lang="zh-CN" altLang="en-US"/>
               <a:t>单击此处编辑母版文本样式</a:t>
             </a:r>
+            <a:endParaRPr lang="zh-CN" altLang="en-US"/>
           </a:p>
           <a:p>
             <a:pPr lvl="1"/>
@@ -275,6 +270,7 @@
               <a:rPr lang="zh-CN" altLang="en-US"/>
               <a:t>二级</a:t>
             </a:r>
+            <a:endParaRPr lang="zh-CN" altLang="en-US"/>
           </a:p>
           <a:p>
             <a:pPr lvl="2"/>
@@ -282,6 +278,7 @@
               <a:rPr lang="zh-CN" altLang="en-US"/>
               <a:t>三级</a:t>
             </a:r>
+            <a:endParaRPr lang="zh-CN" altLang="en-US"/>
           </a:p>
           <a:p>
             <a:pPr lvl="3"/>
@@ -289,6 +286,7 @@
               <a:rPr lang="zh-CN" altLang="en-US"/>
               <a:t>四级</a:t>
             </a:r>
+            <a:endParaRPr lang="zh-CN" altLang="en-US"/>
           </a:p>
           <a:p>
             <a:pPr lvl="4"/>
@@ -296,6 +294,7 @@
               <a:rPr lang="zh-CN" altLang="en-US"/>
               <a:t>五级</a:t>
             </a:r>
+            <a:endParaRPr lang="zh-CN" altLang="en-US"/>
           </a:p>
         </p:txBody>
       </p:sp>
@@ -359,7 +358,6 @@
           <a:p>
             <a:fld id="{5F8DBB30-D871-453A-A062-5B8B4A42612D}" type="slidenum">
               <a:rPr lang="zh-CN" altLang="en-US" smtClean="0"/>
-              <a:t>‹#›</a:t>
             </a:fld>
             <a:endParaRPr lang="zh-CN" altLang="en-US"/>
           </a:p>
@@ -528,7 +526,6 @@
           <a:p>
             <a:fld id="{5F8DBB30-D871-453A-A062-5B8B4A42612D}" type="slidenum">
               <a:rPr lang="zh-CN" altLang="en-US" smtClean="0"/>
-              <a:t>4</a:t>
             </a:fld>
             <a:endParaRPr lang="zh-CN" altLang="en-US"/>
           </a:p>
@@ -607,7 +604,6 @@
           <a:p>
             <a:fld id="{5F8DBB30-D871-453A-A062-5B8B4A42612D}" type="slidenum">
               <a:rPr lang="zh-CN" altLang="en-US" smtClean="0"/>
-              <a:t>5</a:t>
             </a:fld>
             <a:endParaRPr lang="zh-CN" altLang="en-US"/>
           </a:p>
@@ -752,7 +748,6 @@
           <a:p>
             <a:fld id="{1CF44919-0BBC-495A-B16F-388A477966CA}" type="datetimeFigureOut">
               <a:rPr lang="zh-CN" altLang="en-US" smtClean="0"/>
-              <a:t>2021/4/6</a:t>
             </a:fld>
             <a:endParaRPr lang="zh-CN" altLang="en-US"/>
           </a:p>
@@ -794,7 +789,6 @@
           <a:p>
             <a:fld id="{7A193933-2B8C-4538-A111-EF0691D44FCE}" type="slidenum">
               <a:rPr lang="zh-CN" altLang="en-US" smtClean="0"/>
-              <a:t>‹#›</a:t>
             </a:fld>
             <a:endParaRPr lang="zh-CN" altLang="en-US"/>
           </a:p>
@@ -868,6 +862,7 @@
               <a:rPr lang="zh-CN" altLang="en-US"/>
               <a:t>单击此处编辑母版文本样式</a:t>
             </a:r>
+            <a:endParaRPr lang="zh-CN" altLang="en-US"/>
           </a:p>
           <a:p>
             <a:pPr lvl="1"/>
@@ -875,6 +870,7 @@
               <a:rPr lang="zh-CN" altLang="en-US"/>
               <a:t>二级</a:t>
             </a:r>
+            <a:endParaRPr lang="zh-CN" altLang="en-US"/>
           </a:p>
           <a:p>
             <a:pPr lvl="2"/>
@@ -882,6 +878,7 @@
               <a:rPr lang="zh-CN" altLang="en-US"/>
               <a:t>三级</a:t>
             </a:r>
+            <a:endParaRPr lang="zh-CN" altLang="en-US"/>
           </a:p>
           <a:p>
             <a:pPr lvl="3"/>
@@ -889,6 +886,7 @@
               <a:rPr lang="zh-CN" altLang="en-US"/>
               <a:t>四级</a:t>
             </a:r>
+            <a:endParaRPr lang="zh-CN" altLang="en-US"/>
           </a:p>
           <a:p>
             <a:pPr lvl="4"/>
@@ -917,7 +915,6 @@
           <a:p>
             <a:fld id="{1CF44919-0BBC-495A-B16F-388A477966CA}" type="datetimeFigureOut">
               <a:rPr lang="zh-CN" altLang="en-US" smtClean="0"/>
-              <a:t>2021/4/6</a:t>
             </a:fld>
             <a:endParaRPr lang="zh-CN" altLang="en-US"/>
           </a:p>
@@ -959,7 +956,6 @@
           <a:p>
             <a:fld id="{7A193933-2B8C-4538-A111-EF0691D44FCE}" type="slidenum">
               <a:rPr lang="zh-CN" altLang="en-US" smtClean="0"/>
-              <a:t>‹#›</a:t>
             </a:fld>
             <a:endParaRPr lang="zh-CN" altLang="en-US"/>
           </a:p>
@@ -1043,6 +1039,7 @@
               <a:rPr lang="zh-CN" altLang="en-US"/>
               <a:t>单击此处编辑母版文本样式</a:t>
             </a:r>
+            <a:endParaRPr lang="zh-CN" altLang="en-US"/>
           </a:p>
           <a:p>
             <a:pPr lvl="1"/>
@@ -1050,6 +1047,7 @@
               <a:rPr lang="zh-CN" altLang="en-US"/>
               <a:t>二级</a:t>
             </a:r>
+            <a:endParaRPr lang="zh-CN" altLang="en-US"/>
           </a:p>
           <a:p>
             <a:pPr lvl="2"/>
@@ -1057,6 +1055,7 @@
               <a:rPr lang="zh-CN" altLang="en-US"/>
               <a:t>三级</a:t>
             </a:r>
+            <a:endParaRPr lang="zh-CN" altLang="en-US"/>
           </a:p>
           <a:p>
             <a:pPr lvl="3"/>
@@ -1064,6 +1063,7 @@
               <a:rPr lang="zh-CN" altLang="en-US"/>
               <a:t>四级</a:t>
             </a:r>
+            <a:endParaRPr lang="zh-CN" altLang="en-US"/>
           </a:p>
           <a:p>
             <a:pPr lvl="4"/>
@@ -1092,7 +1092,6 @@
           <a:p>
             <a:fld id="{1CF44919-0BBC-495A-B16F-388A477966CA}" type="datetimeFigureOut">
               <a:rPr lang="zh-CN" altLang="en-US" smtClean="0"/>
-              <a:t>2021/4/6</a:t>
             </a:fld>
             <a:endParaRPr lang="zh-CN" altLang="en-US"/>
           </a:p>
@@ -1134,7 +1133,6 @@
           <a:p>
             <a:fld id="{7A193933-2B8C-4538-A111-EF0691D44FCE}" type="slidenum">
               <a:rPr lang="zh-CN" altLang="en-US" smtClean="0"/>
-              <a:t>‹#›</a:t>
             </a:fld>
             <a:endParaRPr lang="zh-CN" altLang="en-US"/>
           </a:p>
@@ -1208,6 +1206,7 @@
               <a:rPr lang="zh-CN" altLang="en-US"/>
               <a:t>单击此处编辑母版文本样式</a:t>
             </a:r>
+            <a:endParaRPr lang="zh-CN" altLang="en-US"/>
           </a:p>
           <a:p>
             <a:pPr lvl="1"/>
@@ -1215,6 +1214,7 @@
               <a:rPr lang="zh-CN" altLang="en-US"/>
               <a:t>二级</a:t>
             </a:r>
+            <a:endParaRPr lang="zh-CN" altLang="en-US"/>
           </a:p>
           <a:p>
             <a:pPr lvl="2"/>
@@ -1222,6 +1222,7 @@
               <a:rPr lang="zh-CN" altLang="en-US"/>
               <a:t>三级</a:t>
             </a:r>
+            <a:endParaRPr lang="zh-CN" altLang="en-US"/>
           </a:p>
           <a:p>
             <a:pPr lvl="3"/>
@@ -1229,6 +1230,7 @@
               <a:rPr lang="zh-CN" altLang="en-US"/>
               <a:t>四级</a:t>
             </a:r>
+            <a:endParaRPr lang="zh-CN" altLang="en-US"/>
           </a:p>
           <a:p>
             <a:pPr lvl="4"/>
@@ -1257,7 +1259,6 @@
           <a:p>
             <a:fld id="{1CF44919-0BBC-495A-B16F-388A477966CA}" type="datetimeFigureOut">
               <a:rPr lang="zh-CN" altLang="en-US" smtClean="0"/>
-              <a:t>2021/4/6</a:t>
             </a:fld>
             <a:endParaRPr lang="zh-CN" altLang="en-US"/>
           </a:p>
@@ -1299,7 +1300,6 @@
           <a:p>
             <a:fld id="{7A193933-2B8C-4538-A111-EF0691D44FCE}" type="slidenum">
               <a:rPr lang="zh-CN" altLang="en-US" smtClean="0"/>
-              <a:t>‹#›</a:t>
             </a:fld>
             <a:endParaRPr lang="zh-CN" altLang="en-US"/>
           </a:p>
@@ -1478,6 +1478,7 @@
               <a:rPr lang="zh-CN" altLang="en-US"/>
               <a:t>单击此处编辑母版文本样式</a:t>
             </a:r>
+            <a:endParaRPr lang="zh-CN" altLang="en-US"/>
           </a:p>
         </p:txBody>
       </p:sp>
@@ -1498,7 +1499,6 @@
           <a:p>
             <a:fld id="{1CF44919-0BBC-495A-B16F-388A477966CA}" type="datetimeFigureOut">
               <a:rPr lang="zh-CN" altLang="en-US" smtClean="0"/>
-              <a:t>2021/4/6</a:t>
             </a:fld>
             <a:endParaRPr lang="zh-CN" altLang="en-US"/>
           </a:p>
@@ -1540,7 +1540,6 @@
           <a:p>
             <a:fld id="{7A193933-2B8C-4538-A111-EF0691D44FCE}" type="slidenum">
               <a:rPr lang="zh-CN" altLang="en-US" smtClean="0"/>
-              <a:t>‹#›</a:t>
             </a:fld>
             <a:endParaRPr lang="zh-CN" altLang="en-US"/>
           </a:p>
@@ -1619,6 +1618,7 @@
               <a:rPr lang="zh-CN" altLang="en-US"/>
               <a:t>单击此处编辑母版文本样式</a:t>
             </a:r>
+            <a:endParaRPr lang="zh-CN" altLang="en-US"/>
           </a:p>
           <a:p>
             <a:pPr lvl="1"/>
@@ -1626,6 +1626,7 @@
               <a:rPr lang="zh-CN" altLang="en-US"/>
               <a:t>二级</a:t>
             </a:r>
+            <a:endParaRPr lang="zh-CN" altLang="en-US"/>
           </a:p>
           <a:p>
             <a:pPr lvl="2"/>
@@ -1633,6 +1634,7 @@
               <a:rPr lang="zh-CN" altLang="en-US"/>
               <a:t>三级</a:t>
             </a:r>
+            <a:endParaRPr lang="zh-CN" altLang="en-US"/>
           </a:p>
           <a:p>
             <a:pPr lvl="3"/>
@@ -1640,6 +1642,7 @@
               <a:rPr lang="zh-CN" altLang="en-US"/>
               <a:t>四级</a:t>
             </a:r>
+            <a:endParaRPr lang="zh-CN" altLang="en-US"/>
           </a:p>
           <a:p>
             <a:pPr lvl="4"/>
@@ -1676,6 +1679,7 @@
               <a:rPr lang="zh-CN" altLang="en-US"/>
               <a:t>单击此处编辑母版文本样式</a:t>
             </a:r>
+            <a:endParaRPr lang="zh-CN" altLang="en-US"/>
           </a:p>
           <a:p>
             <a:pPr lvl="1"/>
@@ -1683,6 +1687,7 @@
               <a:rPr lang="zh-CN" altLang="en-US"/>
               <a:t>二级</a:t>
             </a:r>
+            <a:endParaRPr lang="zh-CN" altLang="en-US"/>
           </a:p>
           <a:p>
             <a:pPr lvl="2"/>
@@ -1690,6 +1695,7 @@
               <a:rPr lang="zh-CN" altLang="en-US"/>
               <a:t>三级</a:t>
             </a:r>
+            <a:endParaRPr lang="zh-CN" altLang="en-US"/>
           </a:p>
           <a:p>
             <a:pPr lvl="3"/>
@@ -1697,6 +1703,7 @@
               <a:rPr lang="zh-CN" altLang="en-US"/>
               <a:t>四级</a:t>
             </a:r>
+            <a:endParaRPr lang="zh-CN" altLang="en-US"/>
           </a:p>
           <a:p>
             <a:pPr lvl="4"/>
@@ -1725,7 +1732,6 @@
           <a:p>
             <a:fld id="{1CF44919-0BBC-495A-B16F-388A477966CA}" type="datetimeFigureOut">
               <a:rPr lang="zh-CN" altLang="en-US" smtClean="0"/>
-              <a:t>2021/4/6</a:t>
             </a:fld>
             <a:endParaRPr lang="zh-CN" altLang="en-US"/>
           </a:p>
@@ -1767,7 +1773,6 @@
           <a:p>
             <a:fld id="{7A193933-2B8C-4538-A111-EF0691D44FCE}" type="slidenum">
               <a:rPr lang="zh-CN" altLang="en-US" smtClean="0"/>
-              <a:t>‹#›</a:t>
             </a:fld>
             <a:endParaRPr lang="zh-CN" altLang="en-US"/>
           </a:p>
@@ -1888,6 +1893,7 @@
               <a:rPr lang="zh-CN" altLang="en-US"/>
               <a:t>单击此处编辑母版文本样式</a:t>
             </a:r>
+            <a:endParaRPr lang="zh-CN" altLang="en-US"/>
           </a:p>
         </p:txBody>
       </p:sp>
@@ -1916,6 +1922,7 @@
               <a:rPr lang="zh-CN" altLang="en-US"/>
               <a:t>单击此处编辑母版文本样式</a:t>
             </a:r>
+            <a:endParaRPr lang="zh-CN" altLang="en-US"/>
           </a:p>
           <a:p>
             <a:pPr lvl="1"/>
@@ -1923,6 +1930,7 @@
               <a:rPr lang="zh-CN" altLang="en-US"/>
               <a:t>二级</a:t>
             </a:r>
+            <a:endParaRPr lang="zh-CN" altLang="en-US"/>
           </a:p>
           <a:p>
             <a:pPr lvl="2"/>
@@ -1930,6 +1938,7 @@
               <a:rPr lang="zh-CN" altLang="en-US"/>
               <a:t>三级</a:t>
             </a:r>
+            <a:endParaRPr lang="zh-CN" altLang="en-US"/>
           </a:p>
           <a:p>
             <a:pPr lvl="3"/>
@@ -1937,6 +1946,7 @@
               <a:rPr lang="zh-CN" altLang="en-US"/>
               <a:t>四级</a:t>
             </a:r>
+            <a:endParaRPr lang="zh-CN" altLang="en-US"/>
           </a:p>
           <a:p>
             <a:pPr lvl="4"/>
@@ -2010,6 +2020,7 @@
               <a:rPr lang="zh-CN" altLang="en-US"/>
               <a:t>单击此处编辑母版文本样式</a:t>
             </a:r>
+            <a:endParaRPr lang="zh-CN" altLang="en-US"/>
           </a:p>
         </p:txBody>
       </p:sp>
@@ -2038,6 +2049,7 @@
               <a:rPr lang="zh-CN" altLang="en-US"/>
               <a:t>单击此处编辑母版文本样式</a:t>
             </a:r>
+            <a:endParaRPr lang="zh-CN" altLang="en-US"/>
           </a:p>
           <a:p>
             <a:pPr lvl="1"/>
@@ -2045,6 +2057,7 @@
               <a:rPr lang="zh-CN" altLang="en-US"/>
               <a:t>二级</a:t>
             </a:r>
+            <a:endParaRPr lang="zh-CN" altLang="en-US"/>
           </a:p>
           <a:p>
             <a:pPr lvl="2"/>
@@ -2052,6 +2065,7 @@
               <a:rPr lang="zh-CN" altLang="en-US"/>
               <a:t>三级</a:t>
             </a:r>
+            <a:endParaRPr lang="zh-CN" altLang="en-US"/>
           </a:p>
           <a:p>
             <a:pPr lvl="3"/>
@@ -2059,6 +2073,7 @@
               <a:rPr lang="zh-CN" altLang="en-US"/>
               <a:t>四级</a:t>
             </a:r>
+            <a:endParaRPr lang="zh-CN" altLang="en-US"/>
           </a:p>
           <a:p>
             <a:pPr lvl="4"/>
@@ -2087,7 +2102,6 @@
           <a:p>
             <a:fld id="{1CF44919-0BBC-495A-B16F-388A477966CA}" type="datetimeFigureOut">
               <a:rPr lang="zh-CN" altLang="en-US" smtClean="0"/>
-              <a:t>2021/4/6</a:t>
             </a:fld>
             <a:endParaRPr lang="zh-CN" altLang="en-US"/>
           </a:p>
@@ -2129,7 +2143,6 @@
           <a:p>
             <a:fld id="{7A193933-2B8C-4538-A111-EF0691D44FCE}" type="slidenum">
               <a:rPr lang="zh-CN" altLang="en-US" smtClean="0"/>
-              <a:t>‹#›</a:t>
             </a:fld>
             <a:endParaRPr lang="zh-CN" altLang="en-US"/>
           </a:p>
@@ -2200,7 +2213,6 @@
           <a:p>
             <a:fld id="{1CF44919-0BBC-495A-B16F-388A477966CA}" type="datetimeFigureOut">
               <a:rPr lang="zh-CN" altLang="en-US" smtClean="0"/>
-              <a:t>2021/4/6</a:t>
             </a:fld>
             <a:endParaRPr lang="zh-CN" altLang="en-US"/>
           </a:p>
@@ -2242,7 +2254,6 @@
           <a:p>
             <a:fld id="{7A193933-2B8C-4538-A111-EF0691D44FCE}" type="slidenum">
               <a:rPr lang="zh-CN" altLang="en-US" smtClean="0"/>
-              <a:t>‹#›</a:t>
             </a:fld>
             <a:endParaRPr lang="zh-CN" altLang="en-US"/>
           </a:p>
@@ -2290,7 +2301,6 @@
           <a:p>
             <a:fld id="{1CF44919-0BBC-495A-B16F-388A477966CA}" type="datetimeFigureOut">
               <a:rPr lang="zh-CN" altLang="en-US" smtClean="0"/>
-              <a:t>2021/4/6</a:t>
             </a:fld>
             <a:endParaRPr lang="zh-CN" altLang="en-US"/>
           </a:p>
@@ -2332,7 +2342,6 @@
           <a:p>
             <a:fld id="{7A193933-2B8C-4538-A111-EF0691D44FCE}" type="slidenum">
               <a:rPr lang="zh-CN" altLang="en-US" smtClean="0"/>
-              <a:t>‹#›</a:t>
             </a:fld>
             <a:endParaRPr lang="zh-CN" altLang="en-US"/>
           </a:p>
@@ -2448,6 +2457,7 @@
               <a:rPr lang="zh-CN" altLang="en-US"/>
               <a:t>单击此处编辑母版文本样式</a:t>
             </a:r>
+            <a:endParaRPr lang="zh-CN" altLang="en-US"/>
           </a:p>
           <a:p>
             <a:pPr lvl="1"/>
@@ -2455,6 +2465,7 @@
               <a:rPr lang="zh-CN" altLang="en-US"/>
               <a:t>二级</a:t>
             </a:r>
+            <a:endParaRPr lang="zh-CN" altLang="en-US"/>
           </a:p>
           <a:p>
             <a:pPr lvl="2"/>
@@ -2462,6 +2473,7 @@
               <a:rPr lang="zh-CN" altLang="en-US"/>
               <a:t>三级</a:t>
             </a:r>
+            <a:endParaRPr lang="zh-CN" altLang="en-US"/>
           </a:p>
           <a:p>
             <a:pPr lvl="3"/>
@@ -2469,6 +2481,7 @@
               <a:rPr lang="zh-CN" altLang="en-US"/>
               <a:t>四级</a:t>
             </a:r>
+            <a:endParaRPr lang="zh-CN" altLang="en-US"/>
           </a:p>
           <a:p>
             <a:pPr lvl="4"/>
@@ -2542,6 +2555,7 @@
               <a:rPr lang="zh-CN" altLang="en-US"/>
               <a:t>单击此处编辑母版文本样式</a:t>
             </a:r>
+            <a:endParaRPr lang="zh-CN" altLang="en-US"/>
           </a:p>
         </p:txBody>
       </p:sp>
@@ -2562,7 +2576,6 @@
           <a:p>
             <a:fld id="{1CF44919-0BBC-495A-B16F-388A477966CA}" type="datetimeFigureOut">
               <a:rPr lang="zh-CN" altLang="en-US" smtClean="0"/>
-              <a:t>2021/4/6</a:t>
             </a:fld>
             <a:endParaRPr lang="zh-CN" altLang="en-US"/>
           </a:p>
@@ -2604,7 +2617,6 @@
           <a:p>
             <a:fld id="{7A193933-2B8C-4538-A111-EF0691D44FCE}" type="slidenum">
               <a:rPr lang="zh-CN" altLang="en-US" smtClean="0"/>
-              <a:t>‹#›</a:t>
             </a:fld>
             <a:endParaRPr lang="zh-CN" altLang="en-US"/>
           </a:p>
@@ -2794,6 +2806,7 @@
               <a:rPr lang="zh-CN" altLang="en-US"/>
               <a:t>单击此处编辑母版文本样式</a:t>
             </a:r>
+            <a:endParaRPr lang="zh-CN" altLang="en-US"/>
           </a:p>
         </p:txBody>
       </p:sp>
@@ -2814,7 +2827,6 @@
           <a:p>
             <a:fld id="{1CF44919-0BBC-495A-B16F-388A477966CA}" type="datetimeFigureOut">
               <a:rPr lang="zh-CN" altLang="en-US" smtClean="0"/>
-              <a:t>2021/4/6</a:t>
             </a:fld>
             <a:endParaRPr lang="zh-CN" altLang="en-US"/>
           </a:p>
@@ -2856,7 +2868,6 @@
           <a:p>
             <a:fld id="{7A193933-2B8C-4538-A111-EF0691D44FCE}" type="slidenum">
               <a:rPr lang="zh-CN" altLang="en-US" smtClean="0"/>
-              <a:t>‹#›</a:t>
             </a:fld>
             <a:endParaRPr lang="zh-CN" altLang="en-US"/>
           </a:p>
@@ -2955,6 +2966,7 @@
               <a:rPr lang="zh-CN" altLang="en-US"/>
               <a:t>单击此处编辑母版文本样式</a:t>
             </a:r>
+            <a:endParaRPr lang="zh-CN" altLang="en-US"/>
           </a:p>
           <a:p>
             <a:pPr lvl="1"/>
@@ -2962,6 +2974,7 @@
               <a:rPr lang="zh-CN" altLang="en-US"/>
               <a:t>二级</a:t>
             </a:r>
+            <a:endParaRPr lang="zh-CN" altLang="en-US"/>
           </a:p>
           <a:p>
             <a:pPr lvl="2"/>
@@ -2969,6 +2982,7 @@
               <a:rPr lang="zh-CN" altLang="en-US"/>
               <a:t>三级</a:t>
             </a:r>
+            <a:endParaRPr lang="zh-CN" altLang="en-US"/>
           </a:p>
           <a:p>
             <a:pPr lvl="3"/>
@@ -2976,6 +2990,7 @@
               <a:rPr lang="zh-CN" altLang="en-US"/>
               <a:t>四级</a:t>
             </a:r>
+            <a:endParaRPr lang="zh-CN" altLang="en-US"/>
           </a:p>
           <a:p>
             <a:pPr lvl="4"/>
@@ -3022,7 +3037,6 @@
           <a:p>
             <a:fld id="{1CF44919-0BBC-495A-B16F-388A477966CA}" type="datetimeFigureOut">
               <a:rPr lang="zh-CN" altLang="en-US" smtClean="0"/>
-              <a:t>2021/4/6</a:t>
             </a:fld>
             <a:endParaRPr lang="zh-CN" altLang="en-US"/>
           </a:p>
@@ -3100,7 +3114,6 @@
           <a:p>
             <a:fld id="{7A193933-2B8C-4538-A111-EF0691D44FCE}" type="slidenum">
               <a:rPr lang="zh-CN" altLang="en-US" smtClean="0"/>
-              <a:t>‹#›</a:t>
             </a:fld>
             <a:endParaRPr lang="zh-CN" altLang="en-US"/>
           </a:p>
@@ -3431,7 +3444,7 @@
           <p:nvPr/>
         </p:nvPicPr>
         <p:blipFill>
-          <a:blip r:embed="rId2">
+          <a:blip r:embed="rId1">
             <a:extLst>
               <a:ext uri="{28A0092B-C50C-407E-A947-70E740481C1C}">
                 <a14:useLocalDpi xmlns:a14="http://schemas.microsoft.com/office/drawing/2010/main" val="0"/>
@@ -3549,6 +3562,7 @@
               <a:rPr lang="zh-CN" altLang="en-US" sz="1400" b="1"/>
               <a:t>演示布局视口</a:t>
             </a:r>
+            <a:endParaRPr lang="zh-CN" altLang="en-US" sz="1400" b="1"/>
           </a:p>
         </p:txBody>
       </p:sp>
@@ -3565,7 +3579,7 @@
           </p:nvPr>
         </p:nvPicPr>
         <p:blipFill>
-          <a:blip r:embed="rId3" cstate="print">
+          <a:blip r:embed="rId2" cstate="print">
             <a:extLst>
               <a:ext uri="{28A0092B-C50C-407E-A947-70E740481C1C}">
                 <a14:useLocalDpi xmlns:a14="http://schemas.microsoft.com/office/drawing/2010/main" val="0"/>
@@ -3658,7 +3672,7 @@
           <p:nvPr/>
         </p:nvPicPr>
         <p:blipFill>
-          <a:blip r:embed="rId2" cstate="print">
+          <a:blip r:embed="rId1" cstate="print">
             <a:extLst>
               <a:ext uri="{28A0092B-C50C-407E-A947-70E740481C1C}">
                 <a14:useLocalDpi xmlns:a14="http://schemas.microsoft.com/office/drawing/2010/main" val="0"/>
@@ -3698,7 +3712,7 @@
           <p:nvPr/>
         </p:nvPicPr>
         <p:blipFill>
-          <a:blip r:embed="rId3">
+          <a:blip r:embed="rId2">
             <a:extLst>
               <a:ext uri="{28A0092B-C50C-407E-A947-70E740481C1C}">
                 <a14:useLocalDpi xmlns:a14="http://schemas.microsoft.com/office/drawing/2010/main" val="0"/>
@@ -4205,6 +4219,22 @@
               </a:rPr>
               <a:t>方案一（淘宝、百度方案）</a:t>
             </a:r>
+            <a:endParaRPr lang="zh-CN" altLang="en-US" sz="2400" b="1">
+              <a:ln w="0"/>
+              <a:solidFill>
+                <a:srgbClr val="FFC000"/>
+              </a:solidFill>
+              <a:effectLst>
+                <a:outerShdw blurRad="38100" dist="19050" dir="2700000" algn="tl" rotWithShape="0">
+                  <a:schemeClr val="dk1">
+                    <a:alpha val="40000"/>
+                  </a:schemeClr>
+                </a:outerShdw>
+              </a:effectLst>
+              <a:highlight>
+                <a:srgbClr val="C0C0C0"/>
+              </a:highlight>
+            </a:endParaRPr>
           </a:p>
         </p:txBody>
       </p:sp>
@@ -4317,6 +4347,7 @@
               <a:rPr lang="en-US" altLang="zh-CN" sz="1600" b="1" dirty="0"/>
               <a:t>/ 100</a:t>
             </a:r>
+            <a:endParaRPr lang="en-US" altLang="zh-CN" sz="1600" b="1" dirty="0"/>
           </a:p>
           <a:p>
             <a:endParaRPr lang="zh-CN" altLang="en-US" sz="1600" dirty="0"/>
@@ -4462,6 +4493,7 @@
               <a:rPr lang="en-US" altLang="zh-CN" dirty="0"/>
               <a:t>3.45rem</a:t>
             </a:r>
+            <a:endParaRPr lang="en-US" altLang="zh-CN" dirty="0"/>
           </a:p>
         </p:txBody>
       </p:sp>
@@ -4491,6 +4523,7 @@
               <a:rPr lang="en-US" altLang="zh-CN" dirty="0"/>
               <a:t>3.45rem</a:t>
             </a:r>
+            <a:endParaRPr lang="en-US" altLang="zh-CN" dirty="0"/>
           </a:p>
         </p:txBody>
       </p:sp>
@@ -4548,13 +4581,7 @@
       </p:sp>
       <p:sp>
         <p:nvSpPr>
-          <p:cNvPr id="4" name="文本框 3">
-            <a:extLst>
-              <a:ext uri="{FF2B5EF4-FFF2-40B4-BE49-F238E27FC236}">
-                <a16:creationId xmlns:a16="http://schemas.microsoft.com/office/drawing/2014/main" id="{BB2147DD-8E22-4BF3-8F72-59D2B032C657}"/>
-              </a:ext>
-            </a:extLst>
-          </p:cNvPr>
+          <p:cNvPr id="4" name="文本框 3"/>
           <p:cNvSpPr txBox="1"/>
           <p:nvPr/>
         </p:nvSpPr>
@@ -4616,7 +4643,7 @@
           <p:nvPr/>
         </p:nvPicPr>
         <p:blipFill>
-          <a:blip r:embed="rId3" cstate="print">
+          <a:blip r:embed="rId1" cstate="print">
             <a:extLst>
               <a:ext uri="{28A0092B-C50C-407E-A947-70E740481C1C}">
                 <a14:useLocalDpi xmlns:a14="http://schemas.microsoft.com/office/drawing/2010/main" val="0"/>
@@ -4656,7 +4683,7 @@
           <p:nvPr/>
         </p:nvPicPr>
         <p:blipFill>
-          <a:blip r:embed="rId4">
+          <a:blip r:embed="rId2">
             <a:extLst>
               <a:ext uri="{28A0092B-C50C-407E-A947-70E740481C1C}">
                 <a14:useLocalDpi xmlns:a14="http://schemas.microsoft.com/office/drawing/2010/main" val="0"/>
@@ -5197,6 +5224,22 @@
               </a:rPr>
               <a:t>方案二（搜狐、唯品会方案）</a:t>
             </a:r>
+            <a:endParaRPr lang="zh-CN" altLang="en-US" sz="2400" b="1" dirty="0">
+              <a:ln w="0"/>
+              <a:solidFill>
+                <a:srgbClr val="FFC000"/>
+              </a:solidFill>
+              <a:effectLst>
+                <a:outerShdw blurRad="38100" dist="19050" dir="2700000" algn="tl" rotWithShape="0">
+                  <a:schemeClr val="dk1">
+                    <a:alpha val="40000"/>
+                  </a:schemeClr>
+                </a:outerShdw>
+              </a:effectLst>
+              <a:highlight>
+                <a:srgbClr val="C0C0C0"/>
+              </a:highlight>
+            </a:endParaRPr>
           </a:p>
         </p:txBody>
       </p:sp>
@@ -5252,6 +5295,7 @@
               <a:rPr lang="en-US" altLang="zh-CN" sz="1600" b="1" dirty="0"/>
               <a:t>/ 10</a:t>
             </a:r>
+            <a:endParaRPr lang="en-US" altLang="zh-CN" sz="1600" b="1" dirty="0"/>
           </a:p>
           <a:p>
             <a:r>
@@ -5304,6 +5348,7 @@
               <a:rPr lang="en-US" altLang="zh-CN" sz="1600" b="1" dirty="0"/>
               <a:t>/ 10)</a:t>
             </a:r>
+            <a:endParaRPr lang="en-US" altLang="zh-CN" sz="1600" b="1" dirty="0"/>
           </a:p>
         </p:txBody>
       </p:sp>
@@ -5380,13 +5425,7 @@
       </p:sp>
       <p:sp>
         <p:nvSpPr>
-          <p:cNvPr id="6" name="文本框 5">
-            <a:extLst>
-              <a:ext uri="{FF2B5EF4-FFF2-40B4-BE49-F238E27FC236}">
-                <a16:creationId xmlns:a16="http://schemas.microsoft.com/office/drawing/2014/main" id="{CD36197E-6C90-4C24-802C-D80735956D51}"/>
-              </a:ext>
-            </a:extLst>
-          </p:cNvPr>
+          <p:cNvPr id="6" name="文本框 5"/>
           <p:cNvSpPr txBox="1"/>
           <p:nvPr/>
         </p:nvSpPr>
@@ -5419,13 +5458,7 @@
       </p:sp>
       <p:sp>
         <p:nvSpPr>
-          <p:cNvPr id="8" name="文本框 7">
-            <a:extLst>
-              <a:ext uri="{FF2B5EF4-FFF2-40B4-BE49-F238E27FC236}">
-                <a16:creationId xmlns:a16="http://schemas.microsoft.com/office/drawing/2014/main" id="{3B7D63DD-975B-4071-BAC6-BB821F63635D}"/>
-              </a:ext>
-            </a:extLst>
-          </p:cNvPr>
+          <p:cNvPr id="8" name="文本框 7"/>
           <p:cNvSpPr txBox="1"/>
           <p:nvPr/>
         </p:nvSpPr>
@@ -5455,13 +5488,7 @@
       </p:sp>
       <p:sp>
         <p:nvSpPr>
-          <p:cNvPr id="2" name="文本框 1">
-            <a:extLst>
-              <a:ext uri="{FF2B5EF4-FFF2-40B4-BE49-F238E27FC236}">
-                <a16:creationId xmlns:a16="http://schemas.microsoft.com/office/drawing/2014/main" id="{A84D06C8-911B-4343-BDFE-9B2BABDB3245}"/>
-              </a:ext>
-            </a:extLst>
-          </p:cNvPr>
+          <p:cNvPr id="2" name="文本框 1"/>
           <p:cNvSpPr txBox="1"/>
           <p:nvPr/>
         </p:nvSpPr>
@@ -5555,6 +5582,22 @@
               </a:rPr>
               <a:t>设计稿</a:t>
             </a:r>
+            <a:endParaRPr lang="zh-CN" altLang="en-US" sz="2400" b="1" dirty="0">
+              <a:ln w="0"/>
+              <a:solidFill>
+                <a:srgbClr val="FFC000"/>
+              </a:solidFill>
+              <a:effectLst>
+                <a:outerShdw blurRad="38100" dist="19050" dir="2700000" algn="tl" rotWithShape="0">
+                  <a:schemeClr val="dk1">
+                    <a:alpha val="40000"/>
+                  </a:schemeClr>
+                </a:outerShdw>
+              </a:effectLst>
+              <a:highlight>
+                <a:srgbClr val="C0C0C0"/>
+              </a:highlight>
+            </a:endParaRPr>
           </a:p>
         </p:txBody>
       </p:sp>
@@ -6559,7 +6602,7 @@
 </file>
 
 <file path=ppt/tags/tag1.xml><?xml version="1.0" encoding="utf-8"?>
-<p:tagLst xmlns:a="http://schemas.openxmlformats.org/drawingml/2006/main" xmlns:r="http://schemas.openxmlformats.org/officeDocument/2006/relationships" xmlns:p="http://schemas.openxmlformats.org/presentationml/2006/main">
+<p:tagLst xmlns:p="http://schemas.openxmlformats.org/presentationml/2006/main">
   <p:tag name="KSO_WM_UNIT_PLACING_PICTURE_USER_VIEWPORT" val="{&quot;height&quot;:3715.5622047244092,&quot;width&quot;:2655.3889763779525}"/>
 </p:tagLst>
 </file>
@@ -6815,8 +6858,6 @@
       </a:bgFillStyleLst>
     </a:fmtScheme>
   </a:themeElements>
-  <a:objectDefaults/>
-  <a:extraClrSchemeLst/>
   <a:extLst>
     <a:ext uri="{05A4C25C-085E-4340-85A3-A5531E510DB2}">
       <thm15:themeFamily xmlns:thm15="http://schemas.microsoft.com/office/thememl/2012/main" name="Office Theme" id="{62F939B6-93AF-4DB8-9C6B-D6C7DFDC589F}" vid="{4A3C46E8-61CC-4603-A589-7422A47A8E4A}"/>
@@ -7076,8 +7117,6 @@
       </a:bgFillStyleLst>
     </a:fmtScheme>
   </a:themeElements>
-  <a:objectDefaults/>
-  <a:extraClrSchemeLst/>
   <a:extLst>
     <a:ext uri="{05A4C25C-085E-4340-85A3-A5531E510DB2}">
       <thm15:themeFamily xmlns:thm15="http://schemas.microsoft.com/office/thememl/2012/main" name="Office Theme" id="{62F939B6-93AF-4DB8-9C6B-D6C7DFDC589F}" vid="{4A3C46E8-61CC-4603-A589-7422A47A8E4A}"/>
